--- a/PROJECT REPRESENTATION/PowerPoint Presentation.pptx
+++ b/PROJECT REPRESENTATION/PowerPoint Presentation.pptx
@@ -5785,17 +5785,8 @@
               <a:rPr lang="en-US" sz="2000" dirty="0">
                 <a:latin typeface="Times New Roman" panose="02020603050405020304" pitchFamily="18" charset="0"/>
               </a:rPr>
-              <a:t> You want to go to place, say IIT Madras. You have no idea how IITM is connected to your </a:t>
-            </a:r>
-            <a:r>
-              <a:rPr lang="en-US" sz="2000">
-                <a:latin typeface="Times New Roman" panose="02020603050405020304" pitchFamily="18" charset="0"/>
-              </a:rPr>
-              <a:t>current location.</a:t>
-            </a:r>
-            <a:endParaRPr lang="en-US" sz="2000" dirty="0">
-              <a:latin typeface="Times New Roman" panose="02020603050405020304" pitchFamily="18" charset="0"/>
-            </a:endParaRPr>
+              <a:t> You want to go to place, say IIT Madras. You have no idea how IITM is connected to your current location.</a:t>
+            </a:r>
           </a:p>
           <a:p>
             <a:endParaRPr lang="en-US" sz="2000" dirty="0">
@@ -5849,7 +5840,19 @@
               <a:rPr lang="en-US" sz="2000" dirty="0">
                 <a:latin typeface="Times New Roman" panose="02020603050405020304" pitchFamily="18" charset="0"/>
               </a:rPr>
-              <a:t> For any current location, we try to find a place Y such that it gets us closer to our destination. We do this till we end up at our destination. Apply a design technique to solve the problem.</a:t>
+              <a:t> For any current location, we try to find a </a:t>
+            </a:r>
+            <a:r>
+              <a:rPr lang="en-US" sz="2000">
+                <a:latin typeface="Times New Roman" panose="02020603050405020304" pitchFamily="18" charset="0"/>
+              </a:rPr>
+              <a:t>place X </a:t>
+            </a:r>
+            <a:r>
+              <a:rPr lang="en-US" sz="2000" dirty="0">
+                <a:latin typeface="Times New Roman" panose="02020603050405020304" pitchFamily="18" charset="0"/>
+              </a:rPr>
+              <a:t>such that it gets us closer to our destination. We do this till we end up at our destination. Apply a design technique to solve the problem.</a:t>
             </a:r>
             <a:br>
               <a:rPr lang="en-US" sz="2800" dirty="0">
